--- a/docs/diagrams/StorageComponentClassDiagram.pptx
+++ b/docs/diagrams/StorageComponentClassDiagram.pptx
@@ -10,7 +10,7 @@
   <p:sldIdLst>
     <p:sldId id="264" r:id="rId2"/>
   </p:sldIdLst>
-  <p:sldSz cx="9144000" cy="6858000" type="screen4x3"/>
+  <p:sldSz cx="12192000" cy="6858000"/>
   <p:notesSz cx="6858000" cy="9144000"/>
   <p:defaultTextStyle>
     <a:defPPr>
@@ -110,12 +110,12 @@
   <p:extLst>
     <p:ext uri="{EFAFB233-063F-42B5-8137-9DF3F51BA10A}">
       <p15:sldGuideLst xmlns:p15="http://schemas.microsoft.com/office/powerpoint/2012/main">
-        <p15:guide id="1" orient="horz" pos="1488">
+        <p15:guide id="1" orient="horz" pos="1488" userDrawn="1">
           <p15:clr>
             <a:srgbClr val="A4A3A4"/>
           </p15:clr>
         </p15:guide>
-        <p15:guide id="2" pos="2880">
+        <p15:guide id="2" pos="3840" userDrawn="1">
           <p15:clr>
             <a:srgbClr val="A4A3A4"/>
           </p15:clr>
@@ -208,7 +208,7 @@
           <a:p>
             <a:fld id="{F5CC4B3F-88C1-4FFA-B1B6-F41C21DC6924}" type="datetimeFigureOut">
               <a:rPr lang="en-US" smtClean="0"/>
-              <a:t>12/1/2018</a:t>
+              <a:t>4/14/2019</a:t>
             </a:fld>
             <a:endParaRPr lang="en-US"/>
           </a:p>
@@ -226,8 +226,8 @@
         </p:nvSpPr>
         <p:spPr>
           <a:xfrm>
-            <a:off x="1143000" y="685800"/>
-            <a:ext cx="4572000" cy="3429000"/>
+            <a:off x="381000" y="685800"/>
+            <a:ext cx="6096000" cy="3429000"/>
           </a:xfrm>
           <a:prstGeom prst="rect">
             <a:avLst/>
@@ -475,6 +475,95 @@
 </p:notesMaster>
 </file>
 
+<file path=ppt/notesSlides/notesSlide1.xml><?xml version="1.0" encoding="utf-8"?>
+<p:notes xmlns:a="http://schemas.openxmlformats.org/drawingml/2006/main" xmlns:r="http://schemas.openxmlformats.org/officeDocument/2006/relationships" xmlns:p="http://schemas.openxmlformats.org/presentationml/2006/main">
+  <p:cSld>
+    <p:spTree>
+      <p:nvGrpSpPr>
+        <p:cNvPr id="1" name=""/>
+        <p:cNvGrpSpPr/>
+        <p:nvPr/>
+      </p:nvGrpSpPr>
+      <p:grpSpPr>
+        <a:xfrm>
+          <a:off x="0" y="0"/>
+          <a:ext cx="0" cy="0"/>
+          <a:chOff x="0" y="0"/>
+          <a:chExt cx="0" cy="0"/>
+        </a:xfrm>
+      </p:grpSpPr>
+      <p:sp>
+        <p:nvSpPr>
+          <p:cNvPr id="2" name="Slide Image Placeholder 1"/>
+          <p:cNvSpPr>
+            <a:spLocks noGrp="1" noRot="1" noChangeAspect="1"/>
+          </p:cNvSpPr>
+          <p:nvPr>
+            <p:ph type="sldImg"/>
+          </p:nvPr>
+        </p:nvSpPr>
+        <p:spPr>
+          <a:xfrm>
+            <a:off x="381000" y="685800"/>
+            <a:ext cx="6096000" cy="3429000"/>
+          </a:xfrm>
+        </p:spPr>
+      </p:sp>
+      <p:sp>
+        <p:nvSpPr>
+          <p:cNvPr id="3" name="Notes Placeholder 2"/>
+          <p:cNvSpPr>
+            <a:spLocks noGrp="1"/>
+          </p:cNvSpPr>
+          <p:nvPr>
+            <p:ph type="body" idx="1"/>
+          </p:nvPr>
+        </p:nvSpPr>
+        <p:spPr/>
+        <p:txBody>
+          <a:bodyPr/>
+          <a:lstStyle/>
+          <a:p>
+            <a:endParaRPr lang="en-SG"/>
+          </a:p>
+        </p:txBody>
+      </p:sp>
+      <p:sp>
+        <p:nvSpPr>
+          <p:cNvPr id="4" name="Slide Number Placeholder 3"/>
+          <p:cNvSpPr>
+            <a:spLocks noGrp="1"/>
+          </p:cNvSpPr>
+          <p:nvPr>
+            <p:ph type="sldNum" sz="quarter" idx="10"/>
+          </p:nvPr>
+        </p:nvSpPr>
+        <p:spPr/>
+        <p:txBody>
+          <a:bodyPr/>
+          <a:lstStyle/>
+          <a:p>
+            <a:fld id="{5A7AB025-77E3-4BD1-A2FD-B3183DBA47A3}" type="slidenum">
+              <a:rPr lang="en-US" smtClean="0"/>
+              <a:t>1</a:t>
+            </a:fld>
+            <a:endParaRPr lang="en-US"/>
+          </a:p>
+        </p:txBody>
+      </p:sp>
+    </p:spTree>
+    <p:extLst>
+      <p:ext uri="{BB962C8B-B14F-4D97-AF65-F5344CB8AC3E}">
+        <p14:creationId xmlns:p14="http://schemas.microsoft.com/office/powerpoint/2010/main" val="168356347"/>
+      </p:ext>
+    </p:extLst>
+  </p:cSld>
+  <p:clrMapOvr>
+    <a:masterClrMapping/>
+  </p:clrMapOvr>
+</p:notes>
+</file>
+
 <file path=ppt/slideLayouts/slideLayout1.xml><?xml version="1.0" encoding="utf-8"?>
 <p:sldLayout xmlns:a="http://schemas.openxmlformats.org/drawingml/2006/main" xmlns:r="http://schemas.openxmlformats.org/officeDocument/2006/relationships" xmlns:p="http://schemas.openxmlformats.org/presentationml/2006/main" type="title" preserve="1">
   <p:cSld name="Title Slide">
@@ -504,8 +593,8 @@
         </p:nvSpPr>
         <p:spPr>
           <a:xfrm>
-            <a:off x="685800" y="2130425"/>
-            <a:ext cx="7772400" cy="1470025"/>
+            <a:off x="914400" y="2130426"/>
+            <a:ext cx="10363200" cy="1470025"/>
           </a:xfrm>
         </p:spPr>
         <p:txBody>
@@ -531,8 +620,8 @@
         </p:nvSpPr>
         <p:spPr>
           <a:xfrm>
-            <a:off x="1371600" y="3886200"/>
-            <a:ext cx="6400800" cy="1752600"/>
+            <a:off x="1828800" y="3886200"/>
+            <a:ext cx="8534400" cy="1752600"/>
           </a:xfrm>
         </p:spPr>
         <p:txBody>
@@ -654,7 +743,7 @@
           <a:p>
             <a:fld id="{78C97017-6FC3-485B-9764-EAC9E56C1D49}" type="datetimeFigureOut">
               <a:rPr lang="en-US" smtClean="0"/>
-              <a:t>12/1/2018</a:t>
+              <a:t>4/14/2019</a:t>
             </a:fld>
             <a:endParaRPr lang="en-US"/>
           </a:p>
@@ -822,7 +911,7 @@
           <a:p>
             <a:fld id="{78C97017-6FC3-485B-9764-EAC9E56C1D49}" type="datetimeFigureOut">
               <a:rPr lang="en-US" smtClean="0"/>
-              <a:t>12/1/2018</a:t>
+              <a:t>4/14/2019</a:t>
             </a:fld>
             <a:endParaRPr lang="en-US"/>
           </a:p>
@@ -912,8 +1001,8 @@
         </p:nvSpPr>
         <p:spPr>
           <a:xfrm>
-            <a:off x="6629400" y="274638"/>
-            <a:ext cx="2057400" cy="5851525"/>
+            <a:off x="8839200" y="274639"/>
+            <a:ext cx="2743200" cy="5851525"/>
           </a:xfrm>
         </p:spPr>
         <p:txBody>
@@ -939,8 +1028,8 @@
         </p:nvSpPr>
         <p:spPr>
           <a:xfrm>
-            <a:off x="457200" y="274638"/>
-            <a:ext cx="6019800" cy="5851525"/>
+            <a:off x="609600" y="274639"/>
+            <a:ext cx="8026400" cy="5851525"/>
           </a:xfrm>
         </p:spPr>
         <p:txBody>
@@ -1000,7 +1089,7 @@
           <a:p>
             <a:fld id="{78C97017-6FC3-485B-9764-EAC9E56C1D49}" type="datetimeFigureOut">
               <a:rPr lang="en-US" smtClean="0"/>
-              <a:t>12/1/2018</a:t>
+              <a:t>4/14/2019</a:t>
             </a:fld>
             <a:endParaRPr lang="en-US"/>
           </a:p>
@@ -1168,7 +1257,7 @@
           <a:p>
             <a:fld id="{78C97017-6FC3-485B-9764-EAC9E56C1D49}" type="datetimeFigureOut">
               <a:rPr lang="en-US" smtClean="0"/>
-              <a:t>12/1/2018</a:t>
+              <a:t>4/14/2019</a:t>
             </a:fld>
             <a:endParaRPr lang="en-US"/>
           </a:p>
@@ -1258,8 +1347,8 @@
         </p:nvSpPr>
         <p:spPr>
           <a:xfrm>
-            <a:off x="722313" y="4406900"/>
-            <a:ext cx="7772400" cy="1362075"/>
+            <a:off x="963084" y="4406901"/>
+            <a:ext cx="10363200" cy="1362075"/>
           </a:xfrm>
         </p:spPr>
         <p:txBody>
@@ -1289,8 +1378,8 @@
         </p:nvSpPr>
         <p:spPr>
           <a:xfrm>
-            <a:off x="722313" y="2906713"/>
-            <a:ext cx="7772400" cy="1500187"/>
+            <a:off x="963084" y="2906713"/>
+            <a:ext cx="10363200" cy="1500187"/>
           </a:xfrm>
         </p:spPr>
         <p:txBody>
@@ -1413,7 +1502,7 @@
           <a:p>
             <a:fld id="{78C97017-6FC3-485B-9764-EAC9E56C1D49}" type="datetimeFigureOut">
               <a:rPr lang="en-US" smtClean="0"/>
-              <a:t>12/1/2018</a:t>
+              <a:t>4/14/2019</a:t>
             </a:fld>
             <a:endParaRPr lang="en-US"/>
           </a:p>
@@ -1525,8 +1614,8 @@
         </p:nvSpPr>
         <p:spPr>
           <a:xfrm>
-            <a:off x="457200" y="1600200"/>
-            <a:ext cx="4038600" cy="4525963"/>
+            <a:off x="609600" y="1600201"/>
+            <a:ext cx="5384800" cy="4525963"/>
           </a:xfrm>
         </p:spPr>
         <p:txBody>
@@ -1609,8 +1698,8 @@
         </p:nvSpPr>
         <p:spPr>
           <a:xfrm>
-            <a:off x="4648200" y="1600200"/>
-            <a:ext cx="4038600" cy="4525963"/>
+            <a:off x="6197600" y="1600201"/>
+            <a:ext cx="5384800" cy="4525963"/>
           </a:xfrm>
         </p:spPr>
         <p:txBody>
@@ -1698,7 +1787,7 @@
           <a:p>
             <a:fld id="{78C97017-6FC3-485B-9764-EAC9E56C1D49}" type="datetimeFigureOut">
               <a:rPr lang="en-US" smtClean="0"/>
-              <a:t>12/1/2018</a:t>
+              <a:t>4/14/2019</a:t>
             </a:fld>
             <a:endParaRPr lang="en-US"/>
           </a:p>
@@ -1814,8 +1903,8 @@
         </p:nvSpPr>
         <p:spPr>
           <a:xfrm>
-            <a:off x="457200" y="1535113"/>
-            <a:ext cx="4040188" cy="639762"/>
+            <a:off x="609600" y="1535113"/>
+            <a:ext cx="5386917" cy="639762"/>
           </a:xfrm>
         </p:spPr>
         <p:txBody>
@@ -1879,8 +1968,8 @@
         </p:nvSpPr>
         <p:spPr>
           <a:xfrm>
-            <a:off x="457200" y="2174875"/>
-            <a:ext cx="4040188" cy="3951288"/>
+            <a:off x="609600" y="2174875"/>
+            <a:ext cx="5386917" cy="3951288"/>
           </a:xfrm>
         </p:spPr>
         <p:txBody>
@@ -1963,8 +2052,8 @@
         </p:nvSpPr>
         <p:spPr>
           <a:xfrm>
-            <a:off x="4645025" y="1535113"/>
-            <a:ext cx="4041775" cy="639762"/>
+            <a:off x="6193368" y="1535113"/>
+            <a:ext cx="5389033" cy="639762"/>
           </a:xfrm>
         </p:spPr>
         <p:txBody>
@@ -2028,8 +2117,8 @@
         </p:nvSpPr>
         <p:spPr>
           <a:xfrm>
-            <a:off x="4645025" y="2174875"/>
-            <a:ext cx="4041775" cy="3951288"/>
+            <a:off x="6193368" y="2174875"/>
+            <a:ext cx="5389033" cy="3951288"/>
           </a:xfrm>
         </p:spPr>
         <p:txBody>
@@ -2117,7 +2206,7 @@
           <a:p>
             <a:fld id="{78C97017-6FC3-485B-9764-EAC9E56C1D49}" type="datetimeFigureOut">
               <a:rPr lang="en-US" smtClean="0"/>
-              <a:t>12/1/2018</a:t>
+              <a:t>4/14/2019</a:t>
             </a:fld>
             <a:endParaRPr lang="en-US"/>
           </a:p>
@@ -2234,7 +2323,7 @@
           <a:p>
             <a:fld id="{78C97017-6FC3-485B-9764-EAC9E56C1D49}" type="datetimeFigureOut">
               <a:rPr lang="en-US" smtClean="0"/>
-              <a:t>12/1/2018</a:t>
+              <a:t>4/14/2019</a:t>
             </a:fld>
             <a:endParaRPr lang="en-US"/>
           </a:p>
@@ -2329,7 +2418,7 @@
           <a:p>
             <a:fld id="{78C97017-6FC3-485B-9764-EAC9E56C1D49}" type="datetimeFigureOut">
               <a:rPr lang="en-US" smtClean="0"/>
-              <a:t>12/1/2018</a:t>
+              <a:t>4/14/2019</a:t>
             </a:fld>
             <a:endParaRPr lang="en-US"/>
           </a:p>
@@ -2419,8 +2508,8 @@
         </p:nvSpPr>
         <p:spPr>
           <a:xfrm>
-            <a:off x="457200" y="273050"/>
-            <a:ext cx="3008313" cy="1162050"/>
+            <a:off x="609601" y="273050"/>
+            <a:ext cx="4011084" cy="1162050"/>
           </a:xfrm>
         </p:spPr>
         <p:txBody>
@@ -2450,8 +2539,8 @@
         </p:nvSpPr>
         <p:spPr>
           <a:xfrm>
-            <a:off x="3575050" y="273050"/>
-            <a:ext cx="5111750" cy="5853113"/>
+            <a:off x="4766733" y="273051"/>
+            <a:ext cx="6815667" cy="5853113"/>
           </a:xfrm>
         </p:spPr>
         <p:txBody>
@@ -2534,8 +2623,8 @@
         </p:nvSpPr>
         <p:spPr>
           <a:xfrm>
-            <a:off x="457200" y="1435100"/>
-            <a:ext cx="3008313" cy="4691063"/>
+            <a:off x="609601" y="1435101"/>
+            <a:ext cx="4011084" cy="4691063"/>
           </a:xfrm>
         </p:spPr>
         <p:txBody>
@@ -2604,7 +2693,7 @@
           <a:p>
             <a:fld id="{78C97017-6FC3-485B-9764-EAC9E56C1D49}" type="datetimeFigureOut">
               <a:rPr lang="en-US" smtClean="0"/>
-              <a:t>12/1/2018</a:t>
+              <a:t>4/14/2019</a:t>
             </a:fld>
             <a:endParaRPr lang="en-US"/>
           </a:p>
@@ -2694,8 +2783,8 @@
         </p:nvSpPr>
         <p:spPr>
           <a:xfrm>
-            <a:off x="1792288" y="4800600"/>
-            <a:ext cx="5486400" cy="566738"/>
+            <a:off x="2389717" y="4800600"/>
+            <a:ext cx="7315200" cy="566738"/>
           </a:xfrm>
         </p:spPr>
         <p:txBody>
@@ -2725,8 +2814,8 @@
         </p:nvSpPr>
         <p:spPr>
           <a:xfrm>
-            <a:off x="1792288" y="612775"/>
-            <a:ext cx="5486400" cy="4114800"/>
+            <a:off x="2389717" y="612775"/>
+            <a:ext cx="7315200" cy="4114800"/>
           </a:xfrm>
         </p:spPr>
         <p:txBody>
@@ -2786,8 +2875,8 @@
         </p:nvSpPr>
         <p:spPr>
           <a:xfrm>
-            <a:off x="1792288" y="5367338"/>
-            <a:ext cx="5486400" cy="804862"/>
+            <a:off x="2389717" y="5367338"/>
+            <a:ext cx="7315200" cy="804862"/>
           </a:xfrm>
         </p:spPr>
         <p:txBody>
@@ -2856,7 +2945,7 @@
           <a:p>
             <a:fld id="{78C97017-6FC3-485B-9764-EAC9E56C1D49}" type="datetimeFigureOut">
               <a:rPr lang="en-US" smtClean="0"/>
-              <a:t>12/1/2018</a:t>
+              <a:t>4/14/2019</a:t>
             </a:fld>
             <a:endParaRPr lang="en-US"/>
           </a:p>
@@ -2951,8 +3040,8 @@
         </p:nvSpPr>
         <p:spPr>
           <a:xfrm>
-            <a:off x="457200" y="274638"/>
-            <a:ext cx="8229600" cy="1143000"/>
+            <a:off x="609600" y="274638"/>
+            <a:ext cx="10972800" cy="1143000"/>
           </a:xfrm>
           <a:prstGeom prst="rect">
             <a:avLst/>
@@ -2983,8 +3072,8 @@
         </p:nvSpPr>
         <p:spPr>
           <a:xfrm>
-            <a:off x="457200" y="1600200"/>
-            <a:ext cx="8229600" cy="4525963"/>
+            <a:off x="609600" y="1600201"/>
+            <a:ext cx="10972800" cy="4525963"/>
           </a:xfrm>
           <a:prstGeom prst="rect">
             <a:avLst/>
@@ -3044,8 +3133,8 @@
         </p:nvSpPr>
         <p:spPr>
           <a:xfrm>
-            <a:off x="457200" y="6356350"/>
-            <a:ext cx="2133600" cy="365125"/>
+            <a:off x="609600" y="6356351"/>
+            <a:ext cx="2844800" cy="365125"/>
           </a:xfrm>
           <a:prstGeom prst="rect">
             <a:avLst/>
@@ -3067,7 +3156,7 @@
           <a:p>
             <a:fld id="{78C97017-6FC3-485B-9764-EAC9E56C1D49}" type="datetimeFigureOut">
               <a:rPr lang="en-US" smtClean="0"/>
-              <a:t>12/1/2018</a:t>
+              <a:t>4/14/2019</a:t>
             </a:fld>
             <a:endParaRPr lang="en-US"/>
           </a:p>
@@ -3085,8 +3174,8 @@
         </p:nvSpPr>
         <p:spPr>
           <a:xfrm>
-            <a:off x="3124200" y="6356350"/>
-            <a:ext cx="2895600" cy="365125"/>
+            <a:off x="4165600" y="6356351"/>
+            <a:ext cx="3860800" cy="365125"/>
           </a:xfrm>
           <a:prstGeom prst="rect">
             <a:avLst/>
@@ -3122,8 +3211,8 @@
         </p:nvSpPr>
         <p:spPr>
           <a:xfrm>
-            <a:off x="6553200" y="6356350"/>
-            <a:ext cx="2133600" cy="365125"/>
+            <a:off x="8737600" y="6356351"/>
+            <a:ext cx="2844800" cy="365125"/>
           </a:xfrm>
           <a:prstGeom prst="rect">
             <a:avLst/>
@@ -3450,8 +3539,8 @@
         </p:nvSpPr>
         <p:spPr>
           <a:xfrm>
-            <a:off x="1119865" y="2086382"/>
-            <a:ext cx="7871735" cy="1723618"/>
+            <a:off x="1828800" y="2086382"/>
+            <a:ext cx="9525000" cy="2257018"/>
           </a:xfrm>
           <a:prstGeom prst="roundRect">
             <a:avLst>
@@ -3515,7 +3604,7 @@
         </p:nvSpPr>
         <p:spPr>
           <a:xfrm>
-            <a:off x="2877180" y="3158440"/>
+            <a:off x="3586116" y="3158440"/>
             <a:ext cx="1323049" cy="346760"/>
           </a:xfrm>
           <a:prstGeom prst="rect">
@@ -3575,7 +3664,7 @@
                   <a:schemeClr val="bg1"/>
                 </a:solidFill>
               </a:rPr>
-              <a:t>AddressBookStorage</a:t>
+              <a:t>EPiggyStorage</a:t>
             </a:r>
             <a:endParaRPr lang="en-SG" sz="1050" dirty="0">
               <a:solidFill>
@@ -3593,7 +3682,7 @@
         </p:nvSpPr>
         <p:spPr>
           <a:xfrm rot="16200000">
-            <a:off x="1683963" y="2868687"/>
+            <a:off x="2392899" y="2868687"/>
             <a:ext cx="1093635" cy="346760"/>
           </a:xfrm>
           <a:prstGeom prst="rect">
@@ -3656,7 +3745,7 @@
         </p:nvSpPr>
         <p:spPr>
           <a:xfrm rot="16200000">
-            <a:off x="956202" y="2861202"/>
+            <a:off x="1665138" y="2861202"/>
             <a:ext cx="1093635" cy="346760"/>
           </a:xfrm>
           <a:prstGeom prst="rect">
@@ -3730,7 +3819,7 @@
         </p:nvSpPr>
         <p:spPr>
           <a:xfrm rot="16200000">
-            <a:off x="1626910" y="2952291"/>
+            <a:off x="2335845" y="2952292"/>
             <a:ext cx="270504" cy="175523"/>
           </a:xfrm>
           <a:prstGeom prst="triangle">
@@ -3788,7 +3877,7 @@
         </p:nvCxnSpPr>
         <p:spPr>
           <a:xfrm>
-            <a:off x="2656370" y="3326536"/>
+            <a:off x="3365305" y="3326536"/>
             <a:ext cx="220810" cy="5284"/>
           </a:xfrm>
           <a:prstGeom prst="straightConnector1">
@@ -3828,7 +3917,7 @@
         </p:nvCxnSpPr>
         <p:spPr>
           <a:xfrm>
-            <a:off x="910091" y="3040053"/>
+            <a:off x="1619026" y="3040053"/>
             <a:ext cx="419548" cy="2860"/>
           </a:xfrm>
           <a:prstGeom prst="bentConnector3">
@@ -3873,7 +3962,7 @@
         </p:nvCxnSpPr>
         <p:spPr>
           <a:xfrm flipV="1">
-            <a:off x="1849924" y="3040052"/>
+            <a:off x="2558860" y="3040053"/>
             <a:ext cx="216105" cy="1"/>
           </a:xfrm>
           <a:prstGeom prst="line">
@@ -3914,7 +4003,7 @@
         </p:nvSpPr>
         <p:spPr>
           <a:xfrm>
-            <a:off x="2420322" y="3239846"/>
+            <a:off x="3129257" y="3239846"/>
             <a:ext cx="236048" cy="173380"/>
           </a:xfrm>
           <a:prstGeom prst="flowChartDecision">
@@ -3968,7 +4057,7 @@
         </p:nvCxnSpPr>
         <p:spPr>
           <a:xfrm flipV="1">
-            <a:off x="4398041" y="3331820"/>
+            <a:off x="5106976" y="3331821"/>
             <a:ext cx="223324" cy="1"/>
           </a:xfrm>
           <a:prstGeom prst="bentConnector3">
@@ -4011,7 +4100,7 @@
         </p:nvSpPr>
         <p:spPr>
           <a:xfrm rot="5400000" flipV="1">
-            <a:off x="4175027" y="3244059"/>
+            <a:off x="4883962" y="3244060"/>
             <a:ext cx="270504" cy="175523"/>
           </a:xfrm>
           <a:prstGeom prst="triangle">
@@ -4069,7 +4158,7 @@
         </p:nvCxnSpPr>
         <p:spPr>
           <a:xfrm>
-            <a:off x="5791200" y="3331820"/>
+            <a:off x="6500135" y="3331820"/>
             <a:ext cx="228600" cy="1970"/>
           </a:xfrm>
           <a:prstGeom prst="bentConnector3">
@@ -4112,7 +4201,7 @@
         </p:nvSpPr>
         <p:spPr>
           <a:xfrm>
-            <a:off x="4621365" y="3158440"/>
+            <a:off x="5330301" y="3158440"/>
             <a:ext cx="1169835" cy="346760"/>
           </a:xfrm>
           <a:prstGeom prst="rect">
@@ -4148,7 +4237,17 @@
                   </a:schemeClr>
                 </a:solidFill>
               </a:rPr>
-              <a:t>JsonAddressBook</a:t>
+              <a:t>JsonEPiggy</a:t>
+            </a:r>
+            <a:r>
+              <a:rPr lang="en-US" sz="1050" b="1" dirty="0">
+                <a:solidFill>
+                  <a:schemeClr val="accent6">
+                    <a:lumMod val="75000"/>
+                  </a:schemeClr>
+                </a:solidFill>
+              </a:rPr>
+              <a:t/>
             </a:r>
             <a:br>
               <a:rPr lang="en-US" sz="1050" b="1" dirty="0">
@@ -4187,7 +4286,7 @@
         </p:nvSpPr>
         <p:spPr>
           <a:xfrm>
-            <a:off x="2873943" y="2558040"/>
+            <a:off x="3582879" y="2558040"/>
             <a:ext cx="1323049" cy="346760"/>
           </a:xfrm>
           <a:prstGeom prst="rect">
@@ -4268,7 +4367,7 @@
         </p:nvCxnSpPr>
         <p:spPr>
           <a:xfrm>
-            <a:off x="2653133" y="2726136"/>
+            <a:off x="3362068" y="2726136"/>
             <a:ext cx="220810" cy="5284"/>
           </a:xfrm>
           <a:prstGeom prst="straightConnector1">
@@ -4308,7 +4407,7 @@
         </p:nvSpPr>
         <p:spPr>
           <a:xfrm>
-            <a:off x="2417085" y="2639446"/>
+            <a:off x="3126020" y="2639446"/>
             <a:ext cx="236048" cy="173380"/>
           </a:xfrm>
           <a:prstGeom prst="flowChartDecision">
@@ -4362,7 +4461,7 @@
         </p:nvCxnSpPr>
         <p:spPr>
           <a:xfrm flipV="1">
-            <a:off x="4394804" y="2731420"/>
+            <a:off x="5103739" y="2731421"/>
             <a:ext cx="223324" cy="1"/>
           </a:xfrm>
           <a:prstGeom prst="bentConnector3">
@@ -4405,7 +4504,7 @@
         </p:nvSpPr>
         <p:spPr>
           <a:xfrm rot="5400000" flipV="1">
-            <a:off x="4171790" y="2643659"/>
+            <a:off x="4880725" y="2643660"/>
             <a:ext cx="270504" cy="175523"/>
           </a:xfrm>
           <a:prstGeom prst="triangle">
@@ -4460,7 +4559,7 @@
         </p:nvSpPr>
         <p:spPr>
           <a:xfrm>
-            <a:off x="4618128" y="2558040"/>
+            <a:off x="5327064" y="2558040"/>
             <a:ext cx="1093635" cy="346760"/>
           </a:xfrm>
           <a:prstGeom prst="rect">
@@ -4507,6 +4606,14 @@
               </a:rPr>
               <a:t>JsonUserPrefs</a:t>
             </a:r>
+            <a:r>
+              <a:rPr lang="en-US" sz="1050" dirty="0">
+                <a:solidFill>
+                  <a:schemeClr val="bg1"/>
+                </a:solidFill>
+              </a:rPr>
+              <a:t/>
+            </a:r>
             <a:br>
               <a:rPr lang="en-US" sz="1050" dirty="0">
                 <a:solidFill>
@@ -4538,7 +4645,7 @@
         </p:nvSpPr>
         <p:spPr>
           <a:xfrm>
-            <a:off x="6019800" y="3160410"/>
+            <a:off x="6728736" y="3160410"/>
             <a:ext cx="1200707" cy="346760"/>
           </a:xfrm>
           <a:prstGeom prst="rect">
@@ -4576,6 +4683,16 @@
               </a:rPr>
               <a:t>JsonSerializable</a:t>
             </a:r>
+            <a:r>
+              <a:rPr lang="en-US" sz="1050" b="1" dirty="0">
+                <a:solidFill>
+                  <a:schemeClr val="accent6">
+                    <a:lumMod val="75000"/>
+                  </a:schemeClr>
+                </a:solidFill>
+              </a:rPr>
+              <a:t/>
+            </a:r>
             <a:br>
               <a:rPr lang="en-US" sz="1050" b="1" dirty="0">
                 <a:solidFill>
@@ -4593,7 +4710,7 @@
                   </a:schemeClr>
                 </a:solidFill>
               </a:rPr>
-              <a:t>AddressBook</a:t>
+              <a:t>EPiggy</a:t>
             </a:r>
             <a:endParaRPr lang="en-SG" sz="1050" b="1" dirty="0">
               <a:solidFill>
@@ -4610,15 +4727,15 @@
           <p:cNvPr id="70" name="Elbow Connector 122"/>
           <p:cNvCxnSpPr>
             <a:cxnSpLocks/>
-            <a:stCxn id="74" idx="0"/>
-            <a:endCxn id="73" idx="2"/>
+            <a:stCxn id="74" idx="3"/>
+            <a:endCxn id="73" idx="1"/>
           </p:cNvCxnSpPr>
           <p:nvPr/>
         </p:nvCxnSpPr>
         <p:spPr>
-          <a:xfrm rot="16200000" flipV="1">
-            <a:off x="8077993" y="2992019"/>
-            <a:ext cx="335208" cy="1"/>
+          <a:xfrm flipV="1">
+            <a:off x="9584391" y="3331820"/>
+            <a:ext cx="388760" cy="1184"/>
           </a:xfrm>
           <a:prstGeom prst="bentConnector3">
             <a:avLst>
@@ -4655,7 +4772,7 @@
         </p:nvSpPr>
         <p:spPr>
           <a:xfrm>
-            <a:off x="7615736" y="2477656"/>
+            <a:off x="9973152" y="3158440"/>
             <a:ext cx="1259719" cy="346760"/>
           </a:xfrm>
           <a:prstGeom prst="rect">
@@ -4691,7 +4808,7 @@
                   </a:schemeClr>
                 </a:solidFill>
               </a:rPr>
-              <a:t>JsonAdaptedTag</a:t>
+              <a:t>JsonAdaptedTags</a:t>
             </a:r>
             <a:endParaRPr lang="en-SG" sz="1050" b="1" dirty="0">
               <a:solidFill>
@@ -4711,7 +4828,7 @@
         </p:nvSpPr>
         <p:spPr>
           <a:xfrm>
-            <a:off x="7615738" y="3159624"/>
+            <a:off x="8324673" y="3159624"/>
             <a:ext cx="1259718" cy="346760"/>
           </a:xfrm>
           <a:prstGeom prst="rect">
@@ -4747,7 +4864,27 @@
                   </a:schemeClr>
                 </a:solidFill>
               </a:rPr>
-              <a:t>JsonAdaptedPerson</a:t>
+              <a:t>JsonAdapted</a:t>
+            </a:r>
+            <a:endParaRPr lang="en-US" sz="1030" b="1" dirty="0">
+              <a:solidFill>
+                <a:schemeClr val="accent6">
+                  <a:lumMod val="75000"/>
+                </a:schemeClr>
+              </a:solidFill>
+            </a:endParaRPr>
+          </a:p>
+          <a:p>
+            <a:pPr algn="ctr"/>
+            <a:r>
+              <a:rPr lang="en-US" sz="1030" b="1" dirty="0">
+                <a:solidFill>
+                  <a:schemeClr val="accent6">
+                    <a:lumMod val="75000"/>
+                  </a:schemeClr>
+                </a:solidFill>
+              </a:rPr>
+              <a:t>Expense</a:t>
             </a:r>
             <a:endParaRPr lang="en-SG" sz="1030" b="1" dirty="0">
               <a:solidFill>
@@ -4770,13 +4907,241 @@
         </p:nvCxnSpPr>
         <p:spPr>
           <a:xfrm flipV="1">
-            <a:off x="7220507" y="3333004"/>
+            <a:off x="7929443" y="3333004"/>
             <a:ext cx="395231" cy="786"/>
           </a:xfrm>
           <a:prstGeom prst="bentConnector3">
             <a:avLst>
               <a:gd name="adj1" fmla="val 50000"/>
             </a:avLst>
+          </a:prstGeom>
+          <a:ln w="19050">
+            <a:prstDash val="sysDot"/>
+            <a:headEnd type="none" w="med" len="med"/>
+            <a:tailEnd type="arrow" w="med" len="med"/>
+          </a:ln>
+          <a:effectLst/>
+        </p:spPr>
+        <p:style>
+          <a:lnRef idx="1">
+            <a:schemeClr val="accent6"/>
+          </a:lnRef>
+          <a:fillRef idx="2">
+            <a:schemeClr val="accent6"/>
+          </a:fillRef>
+          <a:effectRef idx="1">
+            <a:schemeClr val="accent6"/>
+          </a:effectRef>
+          <a:fontRef idx="minor">
+            <a:schemeClr val="dk1"/>
+          </a:fontRef>
+        </p:style>
+      </p:cxnSp>
+      <p:sp>
+        <p:nvSpPr>
+          <p:cNvPr id="26" name="Rectangle 8"/>
+          <p:cNvSpPr/>
+          <p:nvPr/>
+        </p:nvSpPr>
+        <p:spPr>
+          <a:xfrm>
+            <a:off x="8329434" y="3788428"/>
+            <a:ext cx="1259718" cy="346760"/>
+          </a:xfrm>
+          <a:prstGeom prst="rect">
+            <a:avLst/>
+          </a:prstGeom>
+          <a:ln w="19050"/>
+          <a:effectLst/>
+        </p:spPr>
+        <p:style>
+          <a:lnRef idx="1">
+            <a:schemeClr val="accent6"/>
+          </a:lnRef>
+          <a:fillRef idx="2">
+            <a:schemeClr val="accent6"/>
+          </a:fillRef>
+          <a:effectRef idx="1">
+            <a:schemeClr val="accent6"/>
+          </a:effectRef>
+          <a:fontRef idx="minor">
+            <a:schemeClr val="dk1"/>
+          </a:fontRef>
+        </p:style>
+        <p:txBody>
+          <a:bodyPr rtlCol="0" anchor="ctr"/>
+          <a:lstStyle/>
+          <a:p>
+            <a:pPr algn="ctr"/>
+            <a:r>
+              <a:rPr lang="en-US" sz="1030" b="1" dirty="0" err="1">
+                <a:solidFill>
+                  <a:schemeClr val="accent6">
+                    <a:lumMod val="75000"/>
+                  </a:schemeClr>
+                </a:solidFill>
+              </a:rPr>
+              <a:t>JsonAdapted</a:t>
+            </a:r>
+            <a:endParaRPr lang="en-US" sz="1030" b="1" dirty="0">
+              <a:solidFill>
+                <a:schemeClr val="accent6">
+                  <a:lumMod val="75000"/>
+                </a:schemeClr>
+              </a:solidFill>
+            </a:endParaRPr>
+          </a:p>
+          <a:p>
+            <a:pPr algn="ctr"/>
+            <a:r>
+              <a:rPr lang="en-US" sz="1030" b="1" dirty="0">
+                <a:solidFill>
+                  <a:schemeClr val="accent6">
+                    <a:lumMod val="75000"/>
+                  </a:schemeClr>
+                </a:solidFill>
+              </a:rPr>
+              <a:t>Goal</a:t>
+            </a:r>
+            <a:endParaRPr lang="en-SG" sz="1030" b="1" dirty="0">
+              <a:solidFill>
+                <a:schemeClr val="accent6">
+                  <a:lumMod val="75000"/>
+                </a:schemeClr>
+              </a:solidFill>
+            </a:endParaRPr>
+          </a:p>
+        </p:txBody>
+      </p:sp>
+      <p:sp>
+        <p:nvSpPr>
+          <p:cNvPr id="31" name="Rectangle 8"/>
+          <p:cNvSpPr/>
+          <p:nvPr/>
+        </p:nvSpPr>
+        <p:spPr>
+          <a:xfrm>
+            <a:off x="8324673" y="2526522"/>
+            <a:ext cx="1259718" cy="346760"/>
+          </a:xfrm>
+          <a:prstGeom prst="rect">
+            <a:avLst/>
+          </a:prstGeom>
+          <a:ln w="19050"/>
+          <a:effectLst/>
+        </p:spPr>
+        <p:style>
+          <a:lnRef idx="1">
+            <a:schemeClr val="accent6"/>
+          </a:lnRef>
+          <a:fillRef idx="2">
+            <a:schemeClr val="accent6"/>
+          </a:fillRef>
+          <a:effectRef idx="1">
+            <a:schemeClr val="accent6"/>
+          </a:effectRef>
+          <a:fontRef idx="minor">
+            <a:schemeClr val="dk1"/>
+          </a:fontRef>
+        </p:style>
+        <p:txBody>
+          <a:bodyPr rtlCol="0" anchor="ctr"/>
+          <a:lstStyle/>
+          <a:p>
+            <a:pPr algn="ctr"/>
+            <a:r>
+              <a:rPr lang="en-US" sz="1030" b="1" dirty="0" err="1">
+                <a:solidFill>
+                  <a:schemeClr val="accent6">
+                    <a:lumMod val="75000"/>
+                  </a:schemeClr>
+                </a:solidFill>
+              </a:rPr>
+              <a:t>JsonAdapted</a:t>
+            </a:r>
+            <a:endParaRPr lang="en-US" sz="1030" b="1" dirty="0">
+              <a:solidFill>
+                <a:schemeClr val="accent6">
+                  <a:lumMod val="75000"/>
+                </a:schemeClr>
+              </a:solidFill>
+            </a:endParaRPr>
+          </a:p>
+          <a:p>
+            <a:pPr algn="ctr"/>
+            <a:r>
+              <a:rPr lang="en-US" sz="1030" b="1" dirty="0">
+                <a:solidFill>
+                  <a:schemeClr val="accent6">
+                    <a:lumMod val="75000"/>
+                  </a:schemeClr>
+                </a:solidFill>
+              </a:rPr>
+              <a:t>Budget</a:t>
+            </a:r>
+            <a:endParaRPr lang="en-SG" sz="1030" b="1" dirty="0">
+              <a:solidFill>
+                <a:schemeClr val="accent6">
+                  <a:lumMod val="75000"/>
+                </a:schemeClr>
+              </a:solidFill>
+            </a:endParaRPr>
+          </a:p>
+        </p:txBody>
+      </p:sp>
+      <p:cxnSp>
+        <p:nvCxnSpPr>
+          <p:cNvPr id="32" name="Elbow Connector 122"/>
+          <p:cNvCxnSpPr>
+            <a:stCxn id="66" idx="2"/>
+          </p:cNvCxnSpPr>
+          <p:nvPr/>
+        </p:nvCxnSpPr>
+        <p:spPr>
+          <a:xfrm rot="16200000" flipH="1">
+            <a:off x="7599954" y="3236305"/>
+            <a:ext cx="453852" cy="995583"/>
+          </a:xfrm>
+          <a:prstGeom prst="bentConnector2">
+            <a:avLst/>
+          </a:prstGeom>
+          <a:ln w="19050">
+            <a:prstDash val="sysDot"/>
+            <a:headEnd type="none" w="med" len="med"/>
+            <a:tailEnd type="arrow" w="med" len="med"/>
+          </a:ln>
+          <a:effectLst/>
+        </p:spPr>
+        <p:style>
+          <a:lnRef idx="1">
+            <a:schemeClr val="accent6"/>
+          </a:lnRef>
+          <a:fillRef idx="2">
+            <a:schemeClr val="accent6"/>
+          </a:fillRef>
+          <a:effectRef idx="1">
+            <a:schemeClr val="accent6"/>
+          </a:effectRef>
+          <a:fontRef idx="minor">
+            <a:schemeClr val="dk1"/>
+          </a:fontRef>
+        </p:style>
+      </p:cxnSp>
+      <p:cxnSp>
+        <p:nvCxnSpPr>
+          <p:cNvPr id="34" name="Elbow Connector 122"/>
+          <p:cNvCxnSpPr>
+            <a:stCxn id="66" idx="0"/>
+          </p:cNvCxnSpPr>
+          <p:nvPr/>
+        </p:nvCxnSpPr>
+        <p:spPr>
+          <a:xfrm rot="5400000" flipH="1" flipV="1">
+            <a:off x="7588382" y="2424122"/>
+            <a:ext cx="476996" cy="995583"/>
+          </a:xfrm>
+          <a:prstGeom prst="bentConnector2">
+            <a:avLst/>
           </a:prstGeom>
           <a:ln w="19050">
             <a:prstDash val="sysDot"/>
@@ -4810,6 +5175,13 @@
   <p:clrMapOvr>
     <a:masterClrMapping/>
   </p:clrMapOvr>
+  <p:timing>
+    <p:tnLst>
+      <p:par>
+        <p:cTn id="1" dur="indefinite" restart="never" nodeType="tmRoot"/>
+      </p:par>
+    </p:tnLst>
+  </p:timing>
 </p:sld>
 </file>
 
